--- a/Presentation.pptx
+++ b/Presentation.pptx
@@ -19,7 +19,11 @@
     <p:sldId id="269" r:id="rId13"/>
     <p:sldId id="270" r:id="rId14"/>
     <p:sldId id="265" r:id="rId15"/>
-    <p:sldId id="266" r:id="rId16"/>
+    <p:sldId id="271" r:id="rId16"/>
+    <p:sldId id="272" r:id="rId17"/>
+    <p:sldId id="273" r:id="rId18"/>
+    <p:sldId id="274" r:id="rId19"/>
+    <p:sldId id="266" r:id="rId20"/>
   </p:sldIdLst>
   <p:sldSz cx="12192000" cy="6858000"/>
   <p:notesSz cx="6858000" cy="9144000"/>
@@ -9600,7 +9604,7 @@
           <a:p>
             <a:fld id="{82EDB8D0-98ED-4B86-9D5F-E61ADC70144D}" type="datetimeFigureOut">
               <a:rPr lang="en-US" smtClean="0"/>
-              <a:t>11/2/2020</a:t>
+              <a:t>11/16/2020</a:t>
             </a:fld>
             <a:endParaRPr lang="en-US" dirty="0"/>
           </a:p>
@@ -10027,7 +10031,7 @@
           <a:p>
             <a:fld id="{82EDB8D0-98ED-4B86-9D5F-E61ADC70144D}" type="datetimeFigureOut">
               <a:rPr lang="en-US" smtClean="0"/>
-              <a:t>11/2/2020</a:t>
+              <a:t>11/16/2020</a:t>
             </a:fld>
             <a:endParaRPr lang="en-US"/>
           </a:p>
@@ -10531,7 +10535,7 @@
           <a:p>
             <a:fld id="{82EDB8D0-98ED-4B86-9D5F-E61ADC70144D}" type="datetimeFigureOut">
               <a:rPr lang="en-US" smtClean="0"/>
-              <a:t>11/2/2020</a:t>
+              <a:t>11/16/2020</a:t>
             </a:fld>
             <a:endParaRPr lang="en-US"/>
           </a:p>
@@ -11030,7 +11034,7 @@
           <a:p>
             <a:fld id="{82EDB8D0-98ED-4B86-9D5F-E61ADC70144D}" type="datetimeFigureOut">
               <a:rPr lang="en-US" smtClean="0"/>
-              <a:t>11/2/2020</a:t>
+              <a:t>11/16/2020</a:t>
             </a:fld>
             <a:endParaRPr lang="en-US" dirty="0"/>
           </a:p>
@@ -11811,7 +11815,7 @@
           <a:p>
             <a:fld id="{82EDB8D0-98ED-4B86-9D5F-E61ADC70144D}" type="datetimeFigureOut">
               <a:rPr lang="en-US" smtClean="0"/>
-              <a:t>11/2/2020</a:t>
+              <a:t>11/16/2020</a:t>
             </a:fld>
             <a:endParaRPr lang="en-US"/>
           </a:p>
@@ -12305,7 +12309,7 @@
           <a:p>
             <a:fld id="{82EDB8D0-98ED-4B86-9D5F-E61ADC70144D}" type="datetimeFigureOut">
               <a:rPr lang="en-US" smtClean="0"/>
-              <a:t>11/2/2020</a:t>
+              <a:t>11/16/2020</a:t>
             </a:fld>
             <a:endParaRPr lang="en-US"/>
           </a:p>
@@ -13013,7 +13017,7 @@
           <a:p>
             <a:fld id="{82EDB8D0-98ED-4B86-9D5F-E61ADC70144D}" type="datetimeFigureOut">
               <a:rPr lang="en-US" smtClean="0"/>
-              <a:t>11/2/2020</a:t>
+              <a:t>11/16/2020</a:t>
             </a:fld>
             <a:endParaRPr lang="en-US"/>
           </a:p>
@@ -13450,7 +13454,7 @@
           <a:p>
             <a:fld id="{82EDB8D0-98ED-4B86-9D5F-E61ADC70144D}" type="datetimeFigureOut">
               <a:rPr lang="en-US" smtClean="0"/>
-              <a:t>11/2/2020</a:t>
+              <a:t>11/16/2020</a:t>
             </a:fld>
             <a:endParaRPr lang="en-US"/>
           </a:p>
@@ -13859,7 +13863,7 @@
           <a:p>
             <a:fld id="{82EDB8D0-98ED-4B86-9D5F-E61ADC70144D}" type="datetimeFigureOut">
               <a:rPr lang="en-US" smtClean="0"/>
-              <a:t>11/2/2020</a:t>
+              <a:t>11/16/2020</a:t>
             </a:fld>
             <a:endParaRPr lang="en-US"/>
           </a:p>
@@ -14466,7 +14470,7 @@
           <a:p>
             <a:fld id="{82EDB8D0-98ED-4B86-9D5F-E61ADC70144D}" type="datetimeFigureOut">
               <a:rPr lang="en-US" smtClean="0"/>
-              <a:t>11/2/2020</a:t>
+              <a:t>11/16/2020</a:t>
             </a:fld>
             <a:endParaRPr lang="en-US"/>
           </a:p>
@@ -15053,7 +15057,7 @@
           <a:p>
             <a:fld id="{82EDB8D0-98ED-4B86-9D5F-E61ADC70144D}" type="datetimeFigureOut">
               <a:rPr lang="en-US" smtClean="0"/>
-              <a:t>11/2/2020</a:t>
+              <a:t>11/16/2020</a:t>
             </a:fld>
             <a:endParaRPr lang="en-US"/>
           </a:p>
@@ -15592,7 +15596,7 @@
             <a:fld id="{82EDB8D0-98ED-4B86-9D5F-E61ADC70144D}" type="datetimeFigureOut">
               <a:rPr lang="en-US" smtClean="0"/>
               <a:pPr/>
-              <a:t>11/2/2020</a:t>
+              <a:t>11/16/2020</a:t>
             </a:fld>
             <a:endParaRPr lang="en-US" dirty="0"/>
           </a:p>
@@ -20671,6 +20675,1598 @@
     <p:bg>
       <p:bgPr>
         <a:solidFill>
+          <a:schemeClr val="bg1"/>
+        </a:solidFill>
+        <a:effectLst/>
+      </p:bgPr>
+    </p:bg>
+    <p:spTree>
+      <p:nvGrpSpPr>
+        <p:cNvPr id="1" name=""/>
+        <p:cNvGrpSpPr/>
+        <p:nvPr/>
+      </p:nvGrpSpPr>
+      <p:grpSpPr>
+        <a:xfrm>
+          <a:off x="0" y="0"/>
+          <a:ext cx="0" cy="0"/>
+          <a:chOff x="0" y="0"/>
+          <a:chExt cx="0" cy="0"/>
+        </a:xfrm>
+      </p:grpSpPr>
+      <p:sp useBgFill="1">
+        <p:nvSpPr>
+          <p:cNvPr id="10" name="Rectangle 9">
+            <a:extLst>
+              <a:ext uri="{FF2B5EF4-FFF2-40B4-BE49-F238E27FC236}">
+                <a16:creationId xmlns:a16="http://schemas.microsoft.com/office/drawing/2014/main" id="{8ECBFEF8-9038-4E5E-A5F1-E4DC2303553E}"/>
+              </a:ext>
+              <a:ext uri="{C183D7F6-B498-43B3-948B-1728B52AA6E4}">
+                <adec:decorative xmlns:adec="http://schemas.microsoft.com/office/drawing/2017/decorative" val="1"/>
+              </a:ext>
+            </a:extLst>
+          </p:cNvPr>
+          <p:cNvSpPr>
+            <a:spLocks noGrp="1" noRot="1" noChangeAspect="1" noMove="1" noResize="1" noEditPoints="1" noAdjustHandles="1" noChangeArrowheads="1" noChangeShapeType="1" noTextEdit="1"/>
+          </p:cNvSpPr>
+          <p:nvPr>
+            <p:extLst>
+              <p:ext uri="{386F3935-93C4-4BCD-93E2-E3B085C9AB24}">
+                <p16:designElem xmlns:p16="http://schemas.microsoft.com/office/powerpoint/2015/main" val="1"/>
+              </p:ext>
+            </p:extLst>
+          </p:nvPr>
+        </p:nvSpPr>
+        <p:spPr>
+          <a:xfrm>
+            <a:off x="0" y="0"/>
+            <a:ext cx="12188952" cy="6858000"/>
+          </a:xfrm>
+          <a:prstGeom prst="rect">
+            <a:avLst/>
+          </a:prstGeom>
+          <a:ln>
+            <a:noFill/>
+          </a:ln>
+        </p:spPr>
+        <p:style>
+          <a:lnRef idx="2">
+            <a:schemeClr val="accent1">
+              <a:shade val="50000"/>
+            </a:schemeClr>
+          </a:lnRef>
+          <a:fillRef idx="1">
+            <a:schemeClr val="accent1"/>
+          </a:fillRef>
+          <a:effectRef idx="0">
+            <a:schemeClr val="accent1"/>
+          </a:effectRef>
+          <a:fontRef idx="minor">
+            <a:schemeClr val="lt1"/>
+          </a:fontRef>
+        </p:style>
+        <p:txBody>
+          <a:bodyPr rtlCol="0" anchor="ctr"/>
+          <a:lstStyle/>
+          <a:p>
+            <a:pPr marL="0" marR="0" lvl="0" indent="0" algn="ctr" defTabSz="914400" rtl="0" eaLnBrk="1" fontAlgn="auto" latinLnBrk="0" hangingPunct="1">
+              <a:lnSpc>
+                <a:spcPct val="100000"/>
+              </a:lnSpc>
+              <a:spcBef>
+                <a:spcPts val="0"/>
+              </a:spcBef>
+              <a:spcAft>
+                <a:spcPts val="0"/>
+              </a:spcAft>
+              <a:buClrTx/>
+              <a:buSzTx/>
+              <a:buFontTx/>
+              <a:buNone/>
+              <a:tabLst/>
+              <a:defRPr/>
+            </a:pPr>
+            <a:endParaRPr kumimoji="0" lang="en-US" sz="1800" b="0" i="0" u="none" strike="noStrike" kern="1200" cap="none" spc="0" normalizeH="0" baseline="0" noProof="0">
+              <a:ln>
+                <a:noFill/>
+              </a:ln>
+              <a:solidFill>
+                <a:prstClr val="white"/>
+              </a:solidFill>
+              <a:effectLst/>
+              <a:uLnTx/>
+              <a:uFillTx/>
+              <a:latin typeface="Calibri" panose="020F0502020204030204"/>
+              <a:ea typeface="+mn-ea"/>
+              <a:cs typeface="+mn-cs"/>
+            </a:endParaRPr>
+          </a:p>
+        </p:txBody>
+      </p:sp>
+      <p:pic>
+        <p:nvPicPr>
+          <p:cNvPr id="5" name="Picture 4" descr="A picture containing food, table, flower&#10;&#10;Description automatically generated">
+            <a:extLst>
+              <a:ext uri="{FF2B5EF4-FFF2-40B4-BE49-F238E27FC236}">
+                <a16:creationId xmlns:a16="http://schemas.microsoft.com/office/drawing/2014/main" id="{71DB429E-2774-4D0A-8FDE-AD35705F4BE0}"/>
+              </a:ext>
+            </a:extLst>
+          </p:cNvPr>
+          <p:cNvPicPr>
+            <a:picLocks noChangeAspect="1"/>
+          </p:cNvPicPr>
+          <p:nvPr/>
+        </p:nvPicPr>
+        <p:blipFill rotWithShape="1">
+          <a:blip r:embed="rId2"/>
+          <a:srcRect l="5246" r="8953" b="-1"/>
+          <a:stretch/>
+        </p:blipFill>
+        <p:spPr>
+          <a:xfrm>
+            <a:off x="261682" y="233061"/>
+            <a:ext cx="11668636" cy="6391879"/>
+          </a:xfrm>
+          <a:custGeom>
+            <a:avLst/>
+            <a:gdLst/>
+            <a:ahLst/>
+            <a:cxnLst/>
+            <a:rect l="l" t="t" r="r" b="b"/>
+            <a:pathLst>
+              <a:path w="11668636" h="6391879">
+                <a:moveTo>
+                  <a:pt x="82200" y="0"/>
+                </a:moveTo>
+                <a:lnTo>
+                  <a:pt x="11586436" y="0"/>
+                </a:lnTo>
+                <a:cubicBezTo>
+                  <a:pt x="11631834" y="0"/>
+                  <a:pt x="11668636" y="36802"/>
+                  <a:pt x="11668636" y="82200"/>
+                </a:cubicBezTo>
+                <a:lnTo>
+                  <a:pt x="11668636" y="6309679"/>
+                </a:lnTo>
+                <a:cubicBezTo>
+                  <a:pt x="11668636" y="6355077"/>
+                  <a:pt x="11631834" y="6391879"/>
+                  <a:pt x="11586436" y="6391879"/>
+                </a:cubicBezTo>
+                <a:lnTo>
+                  <a:pt x="82200" y="6391879"/>
+                </a:lnTo>
+                <a:cubicBezTo>
+                  <a:pt x="36802" y="6391879"/>
+                  <a:pt x="0" y="6355077"/>
+                  <a:pt x="0" y="6309679"/>
+                </a:cubicBezTo>
+                <a:lnTo>
+                  <a:pt x="0" y="82200"/>
+                </a:lnTo>
+                <a:cubicBezTo>
+                  <a:pt x="0" y="36802"/>
+                  <a:pt x="36802" y="0"/>
+                  <a:pt x="82200" y="0"/>
+                </a:cubicBezTo>
+                <a:close/>
+              </a:path>
+            </a:pathLst>
+          </a:custGeom>
+        </p:spPr>
+      </p:pic>
+      <p:sp>
+        <p:nvSpPr>
+          <p:cNvPr id="12" name="Arc 11">
+            <a:extLst>
+              <a:ext uri="{FF2B5EF4-FFF2-40B4-BE49-F238E27FC236}">
+                <a16:creationId xmlns:a16="http://schemas.microsoft.com/office/drawing/2014/main" id="{F37E8EB2-7BE0-4F3D-921C-F4E9C2C14929}"/>
+              </a:ext>
+              <a:ext uri="{C183D7F6-B498-43B3-948B-1728B52AA6E4}">
+                <adec:decorative xmlns:adec="http://schemas.microsoft.com/office/drawing/2017/decorative" val="1"/>
+              </a:ext>
+            </a:extLst>
+          </p:cNvPr>
+          <p:cNvSpPr>
+            <a:spLocks noGrp="1" noRot="1" noChangeAspect="1" noMove="1" noResize="1" noEditPoints="1" noAdjustHandles="1" noChangeArrowheads="1" noChangeShapeType="1" noTextEdit="1"/>
+          </p:cNvSpPr>
+          <p:nvPr>
+            <p:extLst>
+              <p:ext uri="{386F3935-93C4-4BCD-93E2-E3B085C9AB24}">
+                <p16:designElem xmlns:p16="http://schemas.microsoft.com/office/powerpoint/2015/main" val="1"/>
+              </p:ext>
+            </p:extLst>
+          </p:nvPr>
+        </p:nvSpPr>
+        <p:spPr>
+          <a:xfrm rot="21427715">
+            <a:off x="8958979" y="368138"/>
+            <a:ext cx="2987899" cy="2987899"/>
+          </a:xfrm>
+          <a:prstGeom prst="arc">
+            <a:avLst>
+              <a:gd name="adj1" fmla="val 16200000"/>
+              <a:gd name="adj2" fmla="val 2287352"/>
+            </a:avLst>
+          </a:prstGeom>
+          <a:ln w="127000" cap="rnd">
+            <a:solidFill>
+              <a:schemeClr val="accent4"/>
+            </a:solidFill>
+            <a:prstDash val="dash"/>
+            <a:miter lim="800000"/>
+          </a:ln>
+        </p:spPr>
+        <p:style>
+          <a:lnRef idx="1">
+            <a:schemeClr val="accent1"/>
+          </a:lnRef>
+          <a:fillRef idx="0">
+            <a:schemeClr val="accent1"/>
+          </a:fillRef>
+          <a:effectRef idx="0">
+            <a:schemeClr val="accent1"/>
+          </a:effectRef>
+          <a:fontRef idx="minor">
+            <a:schemeClr val="tx1"/>
+          </a:fontRef>
+        </p:style>
+        <p:txBody>
+          <a:bodyPr rtlCol="0" anchor="ctr"/>
+          <a:lstStyle/>
+          <a:p>
+            <a:pPr marL="0" marR="0" lvl="0" indent="0" algn="ctr" defTabSz="914400" rtl="0" eaLnBrk="1" fontAlgn="auto" latinLnBrk="0" hangingPunct="1">
+              <a:lnSpc>
+                <a:spcPct val="100000"/>
+              </a:lnSpc>
+              <a:spcBef>
+                <a:spcPts val="0"/>
+              </a:spcBef>
+              <a:spcAft>
+                <a:spcPts val="0"/>
+              </a:spcAft>
+              <a:buClrTx/>
+              <a:buSzTx/>
+              <a:buFontTx/>
+              <a:buNone/>
+              <a:tabLst/>
+              <a:defRPr/>
+            </a:pPr>
+            <a:endParaRPr kumimoji="0" lang="en-US" sz="1800" b="0" i="0" u="none" strike="noStrike" kern="1200" cap="none" spc="0" normalizeH="0" baseline="0" noProof="0">
+              <a:ln>
+                <a:noFill/>
+              </a:ln>
+              <a:solidFill>
+                <a:srgbClr val="000000"/>
+              </a:solidFill>
+              <a:effectLst/>
+              <a:uLnTx/>
+              <a:uFillTx/>
+              <a:latin typeface="Calibri" panose="020F0502020204030204"/>
+              <a:ea typeface="+mn-ea"/>
+              <a:cs typeface="+mn-cs"/>
+            </a:endParaRPr>
+          </a:p>
+        </p:txBody>
+      </p:sp>
+      <p:sp>
+        <p:nvSpPr>
+          <p:cNvPr id="14" name="Oval 13">
+            <a:extLst>
+              <a:ext uri="{FF2B5EF4-FFF2-40B4-BE49-F238E27FC236}">
+                <a16:creationId xmlns:a16="http://schemas.microsoft.com/office/drawing/2014/main" id="{E77AE46B-A945-4A7E-9911-903176079DD0}"/>
+              </a:ext>
+              <a:ext uri="{C183D7F6-B498-43B3-948B-1728B52AA6E4}">
+                <adec:decorative xmlns:adec="http://schemas.microsoft.com/office/drawing/2017/decorative" val="1"/>
+              </a:ext>
+            </a:extLst>
+          </p:cNvPr>
+          <p:cNvSpPr>
+            <a:spLocks noGrp="1" noRot="1" noChangeAspect="1" noMove="1" noResize="1" noEditPoints="1" noAdjustHandles="1" noChangeArrowheads="1" noChangeShapeType="1" noTextEdit="1"/>
+          </p:cNvSpPr>
+          <p:nvPr>
+            <p:extLst>
+              <p:ext uri="{386F3935-93C4-4BCD-93E2-E3B085C9AB24}">
+                <p16:designElem xmlns:p16="http://schemas.microsoft.com/office/powerpoint/2015/main" val="1"/>
+              </p:ext>
+            </p:extLst>
+          </p:nvPr>
+        </p:nvSpPr>
+        <p:spPr>
+          <a:xfrm>
+            <a:off x="68969" y="5694291"/>
+            <a:ext cx="546100" cy="546100"/>
+          </a:xfrm>
+          <a:prstGeom prst="ellipse">
+            <a:avLst/>
+          </a:prstGeom>
+          <a:solidFill>
+            <a:schemeClr val="accent5"/>
+          </a:solidFill>
+          <a:ln>
+            <a:noFill/>
+          </a:ln>
+        </p:spPr>
+        <p:style>
+          <a:lnRef idx="2">
+            <a:schemeClr val="accent1">
+              <a:shade val="50000"/>
+            </a:schemeClr>
+          </a:lnRef>
+          <a:fillRef idx="1">
+            <a:schemeClr val="accent1"/>
+          </a:fillRef>
+          <a:effectRef idx="0">
+            <a:schemeClr val="accent1"/>
+          </a:effectRef>
+          <a:fontRef idx="minor">
+            <a:schemeClr val="lt1"/>
+          </a:fontRef>
+        </p:style>
+        <p:txBody>
+          <a:bodyPr rtlCol="0" anchor="ctr"/>
+          <a:lstStyle/>
+          <a:p>
+            <a:pPr marL="0" marR="0" lvl="0" indent="0" algn="ctr" defTabSz="914400" rtl="0" eaLnBrk="1" fontAlgn="auto" latinLnBrk="0" hangingPunct="1">
+              <a:lnSpc>
+                <a:spcPct val="100000"/>
+              </a:lnSpc>
+              <a:spcBef>
+                <a:spcPts val="0"/>
+              </a:spcBef>
+              <a:spcAft>
+                <a:spcPts val="0"/>
+              </a:spcAft>
+              <a:buClrTx/>
+              <a:buSzTx/>
+              <a:buFontTx/>
+              <a:buNone/>
+              <a:tabLst/>
+              <a:defRPr/>
+            </a:pPr>
+            <a:endParaRPr kumimoji="0" lang="en-US" sz="1800" b="0" i="0" u="none" strike="noStrike" kern="1200" cap="none" spc="0" normalizeH="0" baseline="0" noProof="0" dirty="0">
+              <a:ln>
+                <a:noFill/>
+              </a:ln>
+              <a:solidFill>
+                <a:srgbClr val="FFFFFF"/>
+              </a:solidFill>
+              <a:effectLst/>
+              <a:uLnTx/>
+              <a:uFillTx/>
+              <a:latin typeface="Calibri" panose="020F0502020204030204"/>
+              <a:ea typeface="+mn-ea"/>
+              <a:cs typeface="+mn-cs"/>
+            </a:endParaRPr>
+          </a:p>
+        </p:txBody>
+      </p:sp>
+    </p:spTree>
+    <p:extLst>
+      <p:ext uri="{BB962C8B-B14F-4D97-AF65-F5344CB8AC3E}">
+        <p14:creationId xmlns:p14="http://schemas.microsoft.com/office/powerpoint/2010/main" val="1674750669"/>
+      </p:ext>
+    </p:extLst>
+  </p:cSld>
+  <p:clrMapOvr>
+    <a:masterClrMapping/>
+  </p:clrMapOvr>
+  <mc:AlternateContent xmlns:mc="http://schemas.openxmlformats.org/markup-compatibility/2006" xmlns:p14="http://schemas.microsoft.com/office/powerpoint/2010/main">
+    <mc:Choice Requires="p14">
+      <p:transition spd="med" p14:dur="700">
+        <p:fade/>
+      </p:transition>
+    </mc:Choice>
+    <mc:Fallback xmlns="">
+      <p:transition spd="med">
+        <p:fade/>
+      </p:transition>
+    </mc:Fallback>
+  </mc:AlternateContent>
+</p:sld>
+</file>
+
+<file path=ppt/slides/slide16.xml><?xml version="1.0" encoding="utf-8"?>
+<p:sld xmlns:a="http://schemas.openxmlformats.org/drawingml/2006/main" xmlns:r="http://schemas.openxmlformats.org/officeDocument/2006/relationships" xmlns:p="http://schemas.openxmlformats.org/presentationml/2006/main">
+  <p:cSld>
+    <p:bg>
+      <p:bgPr>
+        <a:solidFill>
+          <a:schemeClr val="bg1"/>
+        </a:solidFill>
+        <a:effectLst/>
+      </p:bgPr>
+    </p:bg>
+    <p:spTree>
+      <p:nvGrpSpPr>
+        <p:cNvPr id="1" name=""/>
+        <p:cNvGrpSpPr/>
+        <p:nvPr/>
+      </p:nvGrpSpPr>
+      <p:grpSpPr>
+        <a:xfrm>
+          <a:off x="0" y="0"/>
+          <a:ext cx="0" cy="0"/>
+          <a:chOff x="0" y="0"/>
+          <a:chExt cx="0" cy="0"/>
+        </a:xfrm>
+      </p:grpSpPr>
+      <p:sp useBgFill="1">
+        <p:nvSpPr>
+          <p:cNvPr id="8" name="Rectangle 7">
+            <a:extLst>
+              <a:ext uri="{FF2B5EF4-FFF2-40B4-BE49-F238E27FC236}">
+                <a16:creationId xmlns:a16="http://schemas.microsoft.com/office/drawing/2014/main" id="{8ECBFEF8-9038-4E5E-A5F1-E4DC2303553E}"/>
+              </a:ext>
+              <a:ext uri="{C183D7F6-B498-43B3-948B-1728B52AA6E4}">
+                <adec:decorative xmlns:adec="http://schemas.microsoft.com/office/drawing/2017/decorative" val="1"/>
+              </a:ext>
+            </a:extLst>
+          </p:cNvPr>
+          <p:cNvSpPr>
+            <a:spLocks noGrp="1" noRot="1" noChangeAspect="1" noMove="1" noResize="1" noEditPoints="1" noAdjustHandles="1" noChangeArrowheads="1" noChangeShapeType="1" noTextEdit="1"/>
+          </p:cNvSpPr>
+          <p:nvPr>
+            <p:extLst>
+              <p:ext uri="{386F3935-93C4-4BCD-93E2-E3B085C9AB24}">
+                <p16:designElem xmlns:p16="http://schemas.microsoft.com/office/powerpoint/2015/main" val="1"/>
+              </p:ext>
+            </p:extLst>
+          </p:nvPr>
+        </p:nvSpPr>
+        <p:spPr>
+          <a:xfrm>
+            <a:off x="0" y="0"/>
+            <a:ext cx="12188952" cy="6858000"/>
+          </a:xfrm>
+          <a:prstGeom prst="rect">
+            <a:avLst/>
+          </a:prstGeom>
+          <a:ln>
+            <a:noFill/>
+          </a:ln>
+        </p:spPr>
+        <p:style>
+          <a:lnRef idx="2">
+            <a:schemeClr val="accent1">
+              <a:shade val="50000"/>
+            </a:schemeClr>
+          </a:lnRef>
+          <a:fillRef idx="1">
+            <a:schemeClr val="accent1"/>
+          </a:fillRef>
+          <a:effectRef idx="0">
+            <a:schemeClr val="accent1"/>
+          </a:effectRef>
+          <a:fontRef idx="minor">
+            <a:schemeClr val="lt1"/>
+          </a:fontRef>
+        </p:style>
+        <p:txBody>
+          <a:bodyPr rtlCol="0" anchor="ctr"/>
+          <a:lstStyle/>
+          <a:p>
+            <a:pPr marL="0" marR="0" lvl="0" indent="0" algn="ctr" defTabSz="914400" rtl="0" eaLnBrk="1" fontAlgn="auto" latinLnBrk="0" hangingPunct="1">
+              <a:lnSpc>
+                <a:spcPct val="100000"/>
+              </a:lnSpc>
+              <a:spcBef>
+                <a:spcPts val="0"/>
+              </a:spcBef>
+              <a:spcAft>
+                <a:spcPts val="0"/>
+              </a:spcAft>
+              <a:buClrTx/>
+              <a:buSzTx/>
+              <a:buFontTx/>
+              <a:buNone/>
+              <a:tabLst/>
+              <a:defRPr/>
+            </a:pPr>
+            <a:endParaRPr kumimoji="0" lang="en-US" sz="1800" b="0" i="0" u="none" strike="noStrike" kern="1200" cap="none" spc="0" normalizeH="0" baseline="0" noProof="0">
+              <a:ln>
+                <a:noFill/>
+              </a:ln>
+              <a:solidFill>
+                <a:prstClr val="white"/>
+              </a:solidFill>
+              <a:effectLst/>
+              <a:uLnTx/>
+              <a:uFillTx/>
+              <a:latin typeface="Calibri" panose="020F0502020204030204"/>
+              <a:ea typeface="+mn-ea"/>
+              <a:cs typeface="+mn-cs"/>
+            </a:endParaRPr>
+          </a:p>
+        </p:txBody>
+      </p:sp>
+      <p:pic>
+        <p:nvPicPr>
+          <p:cNvPr id="3" name="Picture 2" descr="Graphical user interface, application&#10;&#10;Description automatically generated">
+            <a:extLst>
+              <a:ext uri="{FF2B5EF4-FFF2-40B4-BE49-F238E27FC236}">
+                <a16:creationId xmlns:a16="http://schemas.microsoft.com/office/drawing/2014/main" id="{EB84FDE2-CB76-4D28-A602-6B443E07FFF0}"/>
+              </a:ext>
+            </a:extLst>
+          </p:cNvPr>
+          <p:cNvPicPr>
+            <a:picLocks noChangeAspect="1"/>
+          </p:cNvPicPr>
+          <p:nvPr/>
+        </p:nvPicPr>
+        <p:blipFill rotWithShape="1">
+          <a:blip r:embed="rId2"/>
+          <a:srcRect l="6367" r="7832" b="-1"/>
+          <a:stretch/>
+        </p:blipFill>
+        <p:spPr>
+          <a:xfrm>
+            <a:off x="261682" y="233061"/>
+            <a:ext cx="11668636" cy="6391879"/>
+          </a:xfrm>
+          <a:custGeom>
+            <a:avLst/>
+            <a:gdLst/>
+            <a:ahLst/>
+            <a:cxnLst/>
+            <a:rect l="l" t="t" r="r" b="b"/>
+            <a:pathLst>
+              <a:path w="11668636" h="6391879">
+                <a:moveTo>
+                  <a:pt x="82200" y="0"/>
+                </a:moveTo>
+                <a:lnTo>
+                  <a:pt x="11586436" y="0"/>
+                </a:lnTo>
+                <a:cubicBezTo>
+                  <a:pt x="11631834" y="0"/>
+                  <a:pt x="11668636" y="36802"/>
+                  <a:pt x="11668636" y="82200"/>
+                </a:cubicBezTo>
+                <a:lnTo>
+                  <a:pt x="11668636" y="6309679"/>
+                </a:lnTo>
+                <a:cubicBezTo>
+                  <a:pt x="11668636" y="6355077"/>
+                  <a:pt x="11631834" y="6391879"/>
+                  <a:pt x="11586436" y="6391879"/>
+                </a:cubicBezTo>
+                <a:lnTo>
+                  <a:pt x="82200" y="6391879"/>
+                </a:lnTo>
+                <a:cubicBezTo>
+                  <a:pt x="36802" y="6391879"/>
+                  <a:pt x="0" y="6355077"/>
+                  <a:pt x="0" y="6309679"/>
+                </a:cubicBezTo>
+                <a:lnTo>
+                  <a:pt x="0" y="82200"/>
+                </a:lnTo>
+                <a:cubicBezTo>
+                  <a:pt x="0" y="36802"/>
+                  <a:pt x="36802" y="0"/>
+                  <a:pt x="82200" y="0"/>
+                </a:cubicBezTo>
+                <a:close/>
+              </a:path>
+            </a:pathLst>
+          </a:custGeom>
+        </p:spPr>
+      </p:pic>
+      <p:sp>
+        <p:nvSpPr>
+          <p:cNvPr id="10" name="Arc 9">
+            <a:extLst>
+              <a:ext uri="{FF2B5EF4-FFF2-40B4-BE49-F238E27FC236}">
+                <a16:creationId xmlns:a16="http://schemas.microsoft.com/office/drawing/2014/main" id="{F37E8EB2-7BE0-4F3D-921C-F4E9C2C14929}"/>
+              </a:ext>
+              <a:ext uri="{C183D7F6-B498-43B3-948B-1728B52AA6E4}">
+                <adec:decorative xmlns:adec="http://schemas.microsoft.com/office/drawing/2017/decorative" val="1"/>
+              </a:ext>
+            </a:extLst>
+          </p:cNvPr>
+          <p:cNvSpPr>
+            <a:spLocks noGrp="1" noRot="1" noChangeAspect="1" noMove="1" noResize="1" noEditPoints="1" noAdjustHandles="1" noChangeArrowheads="1" noChangeShapeType="1" noTextEdit="1"/>
+          </p:cNvSpPr>
+          <p:nvPr>
+            <p:extLst>
+              <p:ext uri="{386F3935-93C4-4BCD-93E2-E3B085C9AB24}">
+                <p16:designElem xmlns:p16="http://schemas.microsoft.com/office/powerpoint/2015/main" val="1"/>
+              </p:ext>
+            </p:extLst>
+          </p:nvPr>
+        </p:nvSpPr>
+        <p:spPr>
+          <a:xfrm rot="21427715">
+            <a:off x="8958979" y="368138"/>
+            <a:ext cx="2987899" cy="2987899"/>
+          </a:xfrm>
+          <a:prstGeom prst="arc">
+            <a:avLst>
+              <a:gd name="adj1" fmla="val 16200000"/>
+              <a:gd name="adj2" fmla="val 2287352"/>
+            </a:avLst>
+          </a:prstGeom>
+          <a:ln w="127000" cap="rnd">
+            <a:solidFill>
+              <a:schemeClr val="accent4"/>
+            </a:solidFill>
+            <a:prstDash val="dash"/>
+            <a:miter lim="800000"/>
+          </a:ln>
+        </p:spPr>
+        <p:style>
+          <a:lnRef idx="1">
+            <a:schemeClr val="accent1"/>
+          </a:lnRef>
+          <a:fillRef idx="0">
+            <a:schemeClr val="accent1"/>
+          </a:fillRef>
+          <a:effectRef idx="0">
+            <a:schemeClr val="accent1"/>
+          </a:effectRef>
+          <a:fontRef idx="minor">
+            <a:schemeClr val="tx1"/>
+          </a:fontRef>
+        </p:style>
+        <p:txBody>
+          <a:bodyPr rtlCol="0" anchor="ctr"/>
+          <a:lstStyle/>
+          <a:p>
+            <a:pPr marL="0" marR="0" lvl="0" indent="0" algn="ctr" defTabSz="914400" rtl="0" eaLnBrk="1" fontAlgn="auto" latinLnBrk="0" hangingPunct="1">
+              <a:lnSpc>
+                <a:spcPct val="100000"/>
+              </a:lnSpc>
+              <a:spcBef>
+                <a:spcPts val="0"/>
+              </a:spcBef>
+              <a:spcAft>
+                <a:spcPts val="0"/>
+              </a:spcAft>
+              <a:buClrTx/>
+              <a:buSzTx/>
+              <a:buFontTx/>
+              <a:buNone/>
+              <a:tabLst/>
+              <a:defRPr/>
+            </a:pPr>
+            <a:endParaRPr kumimoji="0" lang="en-US" sz="1800" b="0" i="0" u="none" strike="noStrike" kern="1200" cap="none" spc="0" normalizeH="0" baseline="0" noProof="0">
+              <a:ln>
+                <a:noFill/>
+              </a:ln>
+              <a:solidFill>
+                <a:srgbClr val="000000"/>
+              </a:solidFill>
+              <a:effectLst/>
+              <a:uLnTx/>
+              <a:uFillTx/>
+              <a:latin typeface="Calibri" panose="020F0502020204030204"/>
+              <a:ea typeface="+mn-ea"/>
+              <a:cs typeface="+mn-cs"/>
+            </a:endParaRPr>
+          </a:p>
+        </p:txBody>
+      </p:sp>
+      <p:sp>
+        <p:nvSpPr>
+          <p:cNvPr id="12" name="Oval 11">
+            <a:extLst>
+              <a:ext uri="{FF2B5EF4-FFF2-40B4-BE49-F238E27FC236}">
+                <a16:creationId xmlns:a16="http://schemas.microsoft.com/office/drawing/2014/main" id="{E77AE46B-A945-4A7E-9911-903176079DD0}"/>
+              </a:ext>
+              <a:ext uri="{C183D7F6-B498-43B3-948B-1728B52AA6E4}">
+                <adec:decorative xmlns:adec="http://schemas.microsoft.com/office/drawing/2017/decorative" val="1"/>
+              </a:ext>
+            </a:extLst>
+          </p:cNvPr>
+          <p:cNvSpPr>
+            <a:spLocks noGrp="1" noRot="1" noChangeAspect="1" noMove="1" noResize="1" noEditPoints="1" noAdjustHandles="1" noChangeArrowheads="1" noChangeShapeType="1" noTextEdit="1"/>
+          </p:cNvSpPr>
+          <p:nvPr>
+            <p:extLst>
+              <p:ext uri="{386F3935-93C4-4BCD-93E2-E3B085C9AB24}">
+                <p16:designElem xmlns:p16="http://schemas.microsoft.com/office/powerpoint/2015/main" val="1"/>
+              </p:ext>
+            </p:extLst>
+          </p:nvPr>
+        </p:nvSpPr>
+        <p:spPr>
+          <a:xfrm>
+            <a:off x="68969" y="5694291"/>
+            <a:ext cx="546100" cy="546100"/>
+          </a:xfrm>
+          <a:prstGeom prst="ellipse">
+            <a:avLst/>
+          </a:prstGeom>
+          <a:solidFill>
+            <a:schemeClr val="accent5"/>
+          </a:solidFill>
+          <a:ln>
+            <a:noFill/>
+          </a:ln>
+        </p:spPr>
+        <p:style>
+          <a:lnRef idx="2">
+            <a:schemeClr val="accent1">
+              <a:shade val="50000"/>
+            </a:schemeClr>
+          </a:lnRef>
+          <a:fillRef idx="1">
+            <a:schemeClr val="accent1"/>
+          </a:fillRef>
+          <a:effectRef idx="0">
+            <a:schemeClr val="accent1"/>
+          </a:effectRef>
+          <a:fontRef idx="minor">
+            <a:schemeClr val="lt1"/>
+          </a:fontRef>
+        </p:style>
+        <p:txBody>
+          <a:bodyPr rtlCol="0" anchor="ctr"/>
+          <a:lstStyle/>
+          <a:p>
+            <a:pPr marL="0" marR="0" lvl="0" indent="0" algn="ctr" defTabSz="914400" rtl="0" eaLnBrk="1" fontAlgn="auto" latinLnBrk="0" hangingPunct="1">
+              <a:lnSpc>
+                <a:spcPct val="100000"/>
+              </a:lnSpc>
+              <a:spcBef>
+                <a:spcPts val="0"/>
+              </a:spcBef>
+              <a:spcAft>
+                <a:spcPts val="0"/>
+              </a:spcAft>
+              <a:buClrTx/>
+              <a:buSzTx/>
+              <a:buFontTx/>
+              <a:buNone/>
+              <a:tabLst/>
+              <a:defRPr/>
+            </a:pPr>
+            <a:endParaRPr kumimoji="0" lang="en-US" sz="1800" b="0" i="0" u="none" strike="noStrike" kern="1200" cap="none" spc="0" normalizeH="0" baseline="0" noProof="0" dirty="0">
+              <a:ln>
+                <a:noFill/>
+              </a:ln>
+              <a:solidFill>
+                <a:srgbClr val="FFFFFF"/>
+              </a:solidFill>
+              <a:effectLst/>
+              <a:uLnTx/>
+              <a:uFillTx/>
+              <a:latin typeface="Calibri" panose="020F0502020204030204"/>
+              <a:ea typeface="+mn-ea"/>
+              <a:cs typeface="+mn-cs"/>
+            </a:endParaRPr>
+          </a:p>
+        </p:txBody>
+      </p:sp>
+    </p:spTree>
+    <p:extLst>
+      <p:ext uri="{BB962C8B-B14F-4D97-AF65-F5344CB8AC3E}">
+        <p14:creationId xmlns:p14="http://schemas.microsoft.com/office/powerpoint/2010/main" val="1680208511"/>
+      </p:ext>
+    </p:extLst>
+  </p:cSld>
+  <p:clrMapOvr>
+    <a:masterClrMapping/>
+  </p:clrMapOvr>
+  <mc:AlternateContent xmlns:mc="http://schemas.openxmlformats.org/markup-compatibility/2006" xmlns:p14="http://schemas.microsoft.com/office/powerpoint/2010/main">
+    <mc:Choice Requires="p14">
+      <p:transition spd="med" p14:dur="700">
+        <p:fade/>
+      </p:transition>
+    </mc:Choice>
+    <mc:Fallback xmlns="">
+      <p:transition spd="med">
+        <p:fade/>
+      </p:transition>
+    </mc:Fallback>
+  </mc:AlternateContent>
+</p:sld>
+</file>
+
+<file path=ppt/slides/slide17.xml><?xml version="1.0" encoding="utf-8"?>
+<p:sld xmlns:a="http://schemas.openxmlformats.org/drawingml/2006/main" xmlns:r="http://schemas.openxmlformats.org/officeDocument/2006/relationships" xmlns:p="http://schemas.openxmlformats.org/presentationml/2006/main">
+  <p:cSld>
+    <p:bg>
+      <p:bgPr>
+        <a:solidFill>
+          <a:schemeClr val="bg1"/>
+        </a:solidFill>
+        <a:effectLst/>
+      </p:bgPr>
+    </p:bg>
+    <p:spTree>
+      <p:nvGrpSpPr>
+        <p:cNvPr id="1" name=""/>
+        <p:cNvGrpSpPr/>
+        <p:nvPr/>
+      </p:nvGrpSpPr>
+      <p:grpSpPr>
+        <a:xfrm>
+          <a:off x="0" y="0"/>
+          <a:ext cx="0" cy="0"/>
+          <a:chOff x="0" y="0"/>
+          <a:chExt cx="0" cy="0"/>
+        </a:xfrm>
+      </p:grpSpPr>
+      <p:sp useBgFill="1">
+        <p:nvSpPr>
+          <p:cNvPr id="8" name="Rectangle 7">
+            <a:extLst>
+              <a:ext uri="{FF2B5EF4-FFF2-40B4-BE49-F238E27FC236}">
+                <a16:creationId xmlns:a16="http://schemas.microsoft.com/office/drawing/2014/main" id="{8ECBFEF8-9038-4E5E-A5F1-E4DC2303553E}"/>
+              </a:ext>
+              <a:ext uri="{C183D7F6-B498-43B3-948B-1728B52AA6E4}">
+                <adec:decorative xmlns:adec="http://schemas.microsoft.com/office/drawing/2017/decorative" val="1"/>
+              </a:ext>
+            </a:extLst>
+          </p:cNvPr>
+          <p:cNvSpPr>
+            <a:spLocks noGrp="1" noRot="1" noChangeAspect="1" noMove="1" noResize="1" noEditPoints="1" noAdjustHandles="1" noChangeArrowheads="1" noChangeShapeType="1" noTextEdit="1"/>
+          </p:cNvSpPr>
+          <p:nvPr>
+            <p:extLst>
+              <p:ext uri="{386F3935-93C4-4BCD-93E2-E3B085C9AB24}">
+                <p16:designElem xmlns:p16="http://schemas.microsoft.com/office/powerpoint/2015/main" val="1"/>
+              </p:ext>
+            </p:extLst>
+          </p:nvPr>
+        </p:nvSpPr>
+        <p:spPr>
+          <a:xfrm>
+            <a:off x="0" y="0"/>
+            <a:ext cx="12188952" cy="6858000"/>
+          </a:xfrm>
+          <a:prstGeom prst="rect">
+            <a:avLst/>
+          </a:prstGeom>
+          <a:ln>
+            <a:noFill/>
+          </a:ln>
+        </p:spPr>
+        <p:style>
+          <a:lnRef idx="2">
+            <a:schemeClr val="accent1">
+              <a:shade val="50000"/>
+            </a:schemeClr>
+          </a:lnRef>
+          <a:fillRef idx="1">
+            <a:schemeClr val="accent1"/>
+          </a:fillRef>
+          <a:effectRef idx="0">
+            <a:schemeClr val="accent1"/>
+          </a:effectRef>
+          <a:fontRef idx="minor">
+            <a:schemeClr val="lt1"/>
+          </a:fontRef>
+        </p:style>
+        <p:txBody>
+          <a:bodyPr rtlCol="0" anchor="ctr"/>
+          <a:lstStyle/>
+          <a:p>
+            <a:pPr marL="0" marR="0" lvl="0" indent="0" algn="ctr" defTabSz="914400" rtl="0" eaLnBrk="1" fontAlgn="auto" latinLnBrk="0" hangingPunct="1">
+              <a:lnSpc>
+                <a:spcPct val="100000"/>
+              </a:lnSpc>
+              <a:spcBef>
+                <a:spcPts val="0"/>
+              </a:spcBef>
+              <a:spcAft>
+                <a:spcPts val="0"/>
+              </a:spcAft>
+              <a:buClrTx/>
+              <a:buSzTx/>
+              <a:buFontTx/>
+              <a:buNone/>
+              <a:tabLst/>
+              <a:defRPr/>
+            </a:pPr>
+            <a:endParaRPr kumimoji="0" lang="en-US" sz="1800" b="0" i="0" u="none" strike="noStrike" kern="1200" cap="none" spc="0" normalizeH="0" baseline="0" noProof="0">
+              <a:ln>
+                <a:noFill/>
+              </a:ln>
+              <a:solidFill>
+                <a:prstClr val="white"/>
+              </a:solidFill>
+              <a:effectLst/>
+              <a:uLnTx/>
+              <a:uFillTx/>
+              <a:latin typeface="Calibri" panose="020F0502020204030204"/>
+              <a:ea typeface="+mn-ea"/>
+              <a:cs typeface="+mn-cs"/>
+            </a:endParaRPr>
+          </a:p>
+        </p:txBody>
+      </p:sp>
+      <p:pic>
+        <p:nvPicPr>
+          <p:cNvPr id="3" name="Picture 2" descr="Graphical user interface, application, Teams&#10;&#10;Description automatically generated">
+            <a:extLst>
+              <a:ext uri="{FF2B5EF4-FFF2-40B4-BE49-F238E27FC236}">
+                <a16:creationId xmlns:a16="http://schemas.microsoft.com/office/drawing/2014/main" id="{0BECDE15-5F47-42D5-B36A-082785FDC063}"/>
+              </a:ext>
+            </a:extLst>
+          </p:cNvPr>
+          <p:cNvPicPr>
+            <a:picLocks noChangeAspect="1"/>
+          </p:cNvPicPr>
+          <p:nvPr/>
+        </p:nvPicPr>
+        <p:blipFill rotWithShape="1">
+          <a:blip r:embed="rId2"/>
+          <a:srcRect l="3424" r="10775" b="-1"/>
+          <a:stretch/>
+        </p:blipFill>
+        <p:spPr>
+          <a:xfrm>
+            <a:off x="261682" y="233061"/>
+            <a:ext cx="11668636" cy="6391879"/>
+          </a:xfrm>
+          <a:custGeom>
+            <a:avLst/>
+            <a:gdLst/>
+            <a:ahLst/>
+            <a:cxnLst/>
+            <a:rect l="l" t="t" r="r" b="b"/>
+            <a:pathLst>
+              <a:path w="11668636" h="6391879">
+                <a:moveTo>
+                  <a:pt x="82200" y="0"/>
+                </a:moveTo>
+                <a:lnTo>
+                  <a:pt x="11586436" y="0"/>
+                </a:lnTo>
+                <a:cubicBezTo>
+                  <a:pt x="11631834" y="0"/>
+                  <a:pt x="11668636" y="36802"/>
+                  <a:pt x="11668636" y="82200"/>
+                </a:cubicBezTo>
+                <a:lnTo>
+                  <a:pt x="11668636" y="6309679"/>
+                </a:lnTo>
+                <a:cubicBezTo>
+                  <a:pt x="11668636" y="6355077"/>
+                  <a:pt x="11631834" y="6391879"/>
+                  <a:pt x="11586436" y="6391879"/>
+                </a:cubicBezTo>
+                <a:lnTo>
+                  <a:pt x="82200" y="6391879"/>
+                </a:lnTo>
+                <a:cubicBezTo>
+                  <a:pt x="36802" y="6391879"/>
+                  <a:pt x="0" y="6355077"/>
+                  <a:pt x="0" y="6309679"/>
+                </a:cubicBezTo>
+                <a:lnTo>
+                  <a:pt x="0" y="82200"/>
+                </a:lnTo>
+                <a:cubicBezTo>
+                  <a:pt x="0" y="36802"/>
+                  <a:pt x="36802" y="0"/>
+                  <a:pt x="82200" y="0"/>
+                </a:cubicBezTo>
+                <a:close/>
+              </a:path>
+            </a:pathLst>
+          </a:custGeom>
+        </p:spPr>
+      </p:pic>
+      <p:sp>
+        <p:nvSpPr>
+          <p:cNvPr id="10" name="Arc 9">
+            <a:extLst>
+              <a:ext uri="{FF2B5EF4-FFF2-40B4-BE49-F238E27FC236}">
+                <a16:creationId xmlns:a16="http://schemas.microsoft.com/office/drawing/2014/main" id="{F37E8EB2-7BE0-4F3D-921C-F4E9C2C14929}"/>
+              </a:ext>
+              <a:ext uri="{C183D7F6-B498-43B3-948B-1728B52AA6E4}">
+                <adec:decorative xmlns:adec="http://schemas.microsoft.com/office/drawing/2017/decorative" val="1"/>
+              </a:ext>
+            </a:extLst>
+          </p:cNvPr>
+          <p:cNvSpPr>
+            <a:spLocks noGrp="1" noRot="1" noChangeAspect="1" noMove="1" noResize="1" noEditPoints="1" noAdjustHandles="1" noChangeArrowheads="1" noChangeShapeType="1" noTextEdit="1"/>
+          </p:cNvSpPr>
+          <p:nvPr>
+            <p:extLst>
+              <p:ext uri="{386F3935-93C4-4BCD-93E2-E3B085C9AB24}">
+                <p16:designElem xmlns:p16="http://schemas.microsoft.com/office/powerpoint/2015/main" val="1"/>
+              </p:ext>
+            </p:extLst>
+          </p:nvPr>
+        </p:nvSpPr>
+        <p:spPr>
+          <a:xfrm rot="21427715">
+            <a:off x="8958979" y="368138"/>
+            <a:ext cx="2987899" cy="2987899"/>
+          </a:xfrm>
+          <a:prstGeom prst="arc">
+            <a:avLst>
+              <a:gd name="adj1" fmla="val 16200000"/>
+              <a:gd name="adj2" fmla="val 2287352"/>
+            </a:avLst>
+          </a:prstGeom>
+          <a:ln w="127000" cap="rnd">
+            <a:solidFill>
+              <a:schemeClr val="accent4"/>
+            </a:solidFill>
+            <a:prstDash val="dash"/>
+            <a:miter lim="800000"/>
+          </a:ln>
+        </p:spPr>
+        <p:style>
+          <a:lnRef idx="1">
+            <a:schemeClr val="accent1"/>
+          </a:lnRef>
+          <a:fillRef idx="0">
+            <a:schemeClr val="accent1"/>
+          </a:fillRef>
+          <a:effectRef idx="0">
+            <a:schemeClr val="accent1"/>
+          </a:effectRef>
+          <a:fontRef idx="minor">
+            <a:schemeClr val="tx1"/>
+          </a:fontRef>
+        </p:style>
+        <p:txBody>
+          <a:bodyPr rtlCol="0" anchor="ctr"/>
+          <a:lstStyle/>
+          <a:p>
+            <a:pPr marL="0" marR="0" lvl="0" indent="0" algn="ctr" defTabSz="914400" rtl="0" eaLnBrk="1" fontAlgn="auto" latinLnBrk="0" hangingPunct="1">
+              <a:lnSpc>
+                <a:spcPct val="100000"/>
+              </a:lnSpc>
+              <a:spcBef>
+                <a:spcPts val="0"/>
+              </a:spcBef>
+              <a:spcAft>
+                <a:spcPts val="0"/>
+              </a:spcAft>
+              <a:buClrTx/>
+              <a:buSzTx/>
+              <a:buFontTx/>
+              <a:buNone/>
+              <a:tabLst/>
+              <a:defRPr/>
+            </a:pPr>
+            <a:endParaRPr kumimoji="0" lang="en-US" sz="1800" b="0" i="0" u="none" strike="noStrike" kern="1200" cap="none" spc="0" normalizeH="0" baseline="0" noProof="0">
+              <a:ln>
+                <a:noFill/>
+              </a:ln>
+              <a:solidFill>
+                <a:srgbClr val="000000"/>
+              </a:solidFill>
+              <a:effectLst/>
+              <a:uLnTx/>
+              <a:uFillTx/>
+              <a:latin typeface="Calibri" panose="020F0502020204030204"/>
+              <a:ea typeface="+mn-ea"/>
+              <a:cs typeface="+mn-cs"/>
+            </a:endParaRPr>
+          </a:p>
+        </p:txBody>
+      </p:sp>
+      <p:sp>
+        <p:nvSpPr>
+          <p:cNvPr id="12" name="Oval 11">
+            <a:extLst>
+              <a:ext uri="{FF2B5EF4-FFF2-40B4-BE49-F238E27FC236}">
+                <a16:creationId xmlns:a16="http://schemas.microsoft.com/office/drawing/2014/main" id="{E77AE46B-A945-4A7E-9911-903176079DD0}"/>
+              </a:ext>
+              <a:ext uri="{C183D7F6-B498-43B3-948B-1728B52AA6E4}">
+                <adec:decorative xmlns:adec="http://schemas.microsoft.com/office/drawing/2017/decorative" val="1"/>
+              </a:ext>
+            </a:extLst>
+          </p:cNvPr>
+          <p:cNvSpPr>
+            <a:spLocks noGrp="1" noRot="1" noChangeAspect="1" noMove="1" noResize="1" noEditPoints="1" noAdjustHandles="1" noChangeArrowheads="1" noChangeShapeType="1" noTextEdit="1"/>
+          </p:cNvSpPr>
+          <p:nvPr>
+            <p:extLst>
+              <p:ext uri="{386F3935-93C4-4BCD-93E2-E3B085C9AB24}">
+                <p16:designElem xmlns:p16="http://schemas.microsoft.com/office/powerpoint/2015/main" val="1"/>
+              </p:ext>
+            </p:extLst>
+          </p:nvPr>
+        </p:nvSpPr>
+        <p:spPr>
+          <a:xfrm>
+            <a:off x="68969" y="5694291"/>
+            <a:ext cx="546100" cy="546100"/>
+          </a:xfrm>
+          <a:prstGeom prst="ellipse">
+            <a:avLst/>
+          </a:prstGeom>
+          <a:solidFill>
+            <a:schemeClr val="accent5"/>
+          </a:solidFill>
+          <a:ln>
+            <a:noFill/>
+          </a:ln>
+        </p:spPr>
+        <p:style>
+          <a:lnRef idx="2">
+            <a:schemeClr val="accent1">
+              <a:shade val="50000"/>
+            </a:schemeClr>
+          </a:lnRef>
+          <a:fillRef idx="1">
+            <a:schemeClr val="accent1"/>
+          </a:fillRef>
+          <a:effectRef idx="0">
+            <a:schemeClr val="accent1"/>
+          </a:effectRef>
+          <a:fontRef idx="minor">
+            <a:schemeClr val="lt1"/>
+          </a:fontRef>
+        </p:style>
+        <p:txBody>
+          <a:bodyPr rtlCol="0" anchor="ctr"/>
+          <a:lstStyle/>
+          <a:p>
+            <a:pPr marL="0" marR="0" lvl="0" indent="0" algn="ctr" defTabSz="914400" rtl="0" eaLnBrk="1" fontAlgn="auto" latinLnBrk="0" hangingPunct="1">
+              <a:lnSpc>
+                <a:spcPct val="100000"/>
+              </a:lnSpc>
+              <a:spcBef>
+                <a:spcPts val="0"/>
+              </a:spcBef>
+              <a:spcAft>
+                <a:spcPts val="0"/>
+              </a:spcAft>
+              <a:buClrTx/>
+              <a:buSzTx/>
+              <a:buFontTx/>
+              <a:buNone/>
+              <a:tabLst/>
+              <a:defRPr/>
+            </a:pPr>
+            <a:endParaRPr kumimoji="0" lang="en-US" sz="1800" b="0" i="0" u="none" strike="noStrike" kern="1200" cap="none" spc="0" normalizeH="0" baseline="0" noProof="0" dirty="0">
+              <a:ln>
+                <a:noFill/>
+              </a:ln>
+              <a:solidFill>
+                <a:srgbClr val="FFFFFF"/>
+              </a:solidFill>
+              <a:effectLst/>
+              <a:uLnTx/>
+              <a:uFillTx/>
+              <a:latin typeface="Calibri" panose="020F0502020204030204"/>
+              <a:ea typeface="+mn-ea"/>
+              <a:cs typeface="+mn-cs"/>
+            </a:endParaRPr>
+          </a:p>
+        </p:txBody>
+      </p:sp>
+    </p:spTree>
+    <p:extLst>
+      <p:ext uri="{BB962C8B-B14F-4D97-AF65-F5344CB8AC3E}">
+        <p14:creationId xmlns:p14="http://schemas.microsoft.com/office/powerpoint/2010/main" val="492287738"/>
+      </p:ext>
+    </p:extLst>
+  </p:cSld>
+  <p:clrMapOvr>
+    <a:masterClrMapping/>
+  </p:clrMapOvr>
+  <mc:AlternateContent xmlns:mc="http://schemas.openxmlformats.org/markup-compatibility/2006" xmlns:p14="http://schemas.microsoft.com/office/powerpoint/2010/main">
+    <mc:Choice Requires="p14">
+      <p:transition spd="med" p14:dur="700">
+        <p:fade/>
+      </p:transition>
+    </mc:Choice>
+    <mc:Fallback xmlns="">
+      <p:transition spd="med">
+        <p:fade/>
+      </p:transition>
+    </mc:Fallback>
+  </mc:AlternateContent>
+</p:sld>
+</file>
+
+<file path=ppt/slides/slide18.xml><?xml version="1.0" encoding="utf-8"?>
+<p:sld xmlns:a="http://schemas.openxmlformats.org/drawingml/2006/main" xmlns:r="http://schemas.openxmlformats.org/officeDocument/2006/relationships" xmlns:p="http://schemas.openxmlformats.org/presentationml/2006/main">
+  <p:cSld>
+    <p:bg>
+      <p:bgPr>
+        <a:solidFill>
+          <a:schemeClr val="bg1"/>
+        </a:solidFill>
+        <a:effectLst/>
+      </p:bgPr>
+    </p:bg>
+    <p:spTree>
+      <p:nvGrpSpPr>
+        <p:cNvPr id="1" name=""/>
+        <p:cNvGrpSpPr/>
+        <p:nvPr/>
+      </p:nvGrpSpPr>
+      <p:grpSpPr>
+        <a:xfrm>
+          <a:off x="0" y="0"/>
+          <a:ext cx="0" cy="0"/>
+          <a:chOff x="0" y="0"/>
+          <a:chExt cx="0" cy="0"/>
+        </a:xfrm>
+      </p:grpSpPr>
+      <p:sp useBgFill="1">
+        <p:nvSpPr>
+          <p:cNvPr id="8" name="Rectangle 7">
+            <a:extLst>
+              <a:ext uri="{FF2B5EF4-FFF2-40B4-BE49-F238E27FC236}">
+                <a16:creationId xmlns:a16="http://schemas.microsoft.com/office/drawing/2014/main" id="{8ECBFEF8-9038-4E5E-A5F1-E4DC2303553E}"/>
+              </a:ext>
+              <a:ext uri="{C183D7F6-B498-43B3-948B-1728B52AA6E4}">
+                <adec:decorative xmlns:adec="http://schemas.microsoft.com/office/drawing/2017/decorative" val="1"/>
+              </a:ext>
+            </a:extLst>
+          </p:cNvPr>
+          <p:cNvSpPr>
+            <a:spLocks noGrp="1" noRot="1" noChangeAspect="1" noMove="1" noResize="1" noEditPoints="1" noAdjustHandles="1" noChangeArrowheads="1" noChangeShapeType="1" noTextEdit="1"/>
+          </p:cNvSpPr>
+          <p:nvPr>
+            <p:extLst>
+              <p:ext uri="{386F3935-93C4-4BCD-93E2-E3B085C9AB24}">
+                <p16:designElem xmlns:p16="http://schemas.microsoft.com/office/powerpoint/2015/main" val="1"/>
+              </p:ext>
+            </p:extLst>
+          </p:nvPr>
+        </p:nvSpPr>
+        <p:spPr>
+          <a:xfrm>
+            <a:off x="0" y="0"/>
+            <a:ext cx="12188952" cy="6858000"/>
+          </a:xfrm>
+          <a:prstGeom prst="rect">
+            <a:avLst/>
+          </a:prstGeom>
+          <a:ln>
+            <a:noFill/>
+          </a:ln>
+        </p:spPr>
+        <p:style>
+          <a:lnRef idx="2">
+            <a:schemeClr val="accent1">
+              <a:shade val="50000"/>
+            </a:schemeClr>
+          </a:lnRef>
+          <a:fillRef idx="1">
+            <a:schemeClr val="accent1"/>
+          </a:fillRef>
+          <a:effectRef idx="0">
+            <a:schemeClr val="accent1"/>
+          </a:effectRef>
+          <a:fontRef idx="minor">
+            <a:schemeClr val="lt1"/>
+          </a:fontRef>
+        </p:style>
+        <p:txBody>
+          <a:bodyPr rtlCol="0" anchor="ctr"/>
+          <a:lstStyle/>
+          <a:p>
+            <a:pPr marL="0" marR="0" lvl="0" indent="0" algn="ctr" defTabSz="914400" rtl="0" eaLnBrk="1" fontAlgn="auto" latinLnBrk="0" hangingPunct="1">
+              <a:lnSpc>
+                <a:spcPct val="100000"/>
+              </a:lnSpc>
+              <a:spcBef>
+                <a:spcPts val="0"/>
+              </a:spcBef>
+              <a:spcAft>
+                <a:spcPts val="0"/>
+              </a:spcAft>
+              <a:buClrTx/>
+              <a:buSzTx/>
+              <a:buFontTx/>
+              <a:buNone/>
+              <a:tabLst/>
+              <a:defRPr/>
+            </a:pPr>
+            <a:endParaRPr kumimoji="0" lang="en-US" sz="1800" b="0" i="0" u="none" strike="noStrike" kern="1200" cap="none" spc="0" normalizeH="0" baseline="0" noProof="0">
+              <a:ln>
+                <a:noFill/>
+              </a:ln>
+              <a:solidFill>
+                <a:prstClr val="white"/>
+              </a:solidFill>
+              <a:effectLst/>
+              <a:uLnTx/>
+              <a:uFillTx/>
+              <a:latin typeface="Calibri" panose="020F0502020204030204"/>
+              <a:ea typeface="+mn-ea"/>
+              <a:cs typeface="+mn-cs"/>
+            </a:endParaRPr>
+          </a:p>
+        </p:txBody>
+      </p:sp>
+      <p:pic>
+        <p:nvPicPr>
+          <p:cNvPr id="3" name="Picture 2">
+            <a:extLst>
+              <a:ext uri="{FF2B5EF4-FFF2-40B4-BE49-F238E27FC236}">
+                <a16:creationId xmlns:a16="http://schemas.microsoft.com/office/drawing/2014/main" id="{FD37A5DE-9A3A-499D-8C9C-317DF58F223F}"/>
+              </a:ext>
+            </a:extLst>
+          </p:cNvPr>
+          <p:cNvPicPr>
+            <a:picLocks noChangeAspect="1"/>
+          </p:cNvPicPr>
+          <p:nvPr/>
+        </p:nvPicPr>
+        <p:blipFill rotWithShape="1">
+          <a:blip r:embed="rId2"/>
+          <a:srcRect l="3623" r="10576" b="-1"/>
+          <a:stretch/>
+        </p:blipFill>
+        <p:spPr>
+          <a:xfrm>
+            <a:off x="261682" y="233061"/>
+            <a:ext cx="11668636" cy="6391879"/>
+          </a:xfrm>
+          <a:custGeom>
+            <a:avLst/>
+            <a:gdLst/>
+            <a:ahLst/>
+            <a:cxnLst/>
+            <a:rect l="l" t="t" r="r" b="b"/>
+            <a:pathLst>
+              <a:path w="11668636" h="6391879">
+                <a:moveTo>
+                  <a:pt x="82200" y="0"/>
+                </a:moveTo>
+                <a:lnTo>
+                  <a:pt x="11586436" y="0"/>
+                </a:lnTo>
+                <a:cubicBezTo>
+                  <a:pt x="11631834" y="0"/>
+                  <a:pt x="11668636" y="36802"/>
+                  <a:pt x="11668636" y="82200"/>
+                </a:cubicBezTo>
+                <a:lnTo>
+                  <a:pt x="11668636" y="6309679"/>
+                </a:lnTo>
+                <a:cubicBezTo>
+                  <a:pt x="11668636" y="6355077"/>
+                  <a:pt x="11631834" y="6391879"/>
+                  <a:pt x="11586436" y="6391879"/>
+                </a:cubicBezTo>
+                <a:lnTo>
+                  <a:pt x="82200" y="6391879"/>
+                </a:lnTo>
+                <a:cubicBezTo>
+                  <a:pt x="36802" y="6391879"/>
+                  <a:pt x="0" y="6355077"/>
+                  <a:pt x="0" y="6309679"/>
+                </a:cubicBezTo>
+                <a:lnTo>
+                  <a:pt x="0" y="82200"/>
+                </a:lnTo>
+                <a:cubicBezTo>
+                  <a:pt x="0" y="36802"/>
+                  <a:pt x="36802" y="0"/>
+                  <a:pt x="82200" y="0"/>
+                </a:cubicBezTo>
+                <a:close/>
+              </a:path>
+            </a:pathLst>
+          </a:custGeom>
+        </p:spPr>
+      </p:pic>
+      <p:sp>
+        <p:nvSpPr>
+          <p:cNvPr id="10" name="Arc 9">
+            <a:extLst>
+              <a:ext uri="{FF2B5EF4-FFF2-40B4-BE49-F238E27FC236}">
+                <a16:creationId xmlns:a16="http://schemas.microsoft.com/office/drawing/2014/main" id="{F37E8EB2-7BE0-4F3D-921C-F4E9C2C14929}"/>
+              </a:ext>
+              <a:ext uri="{C183D7F6-B498-43B3-948B-1728B52AA6E4}">
+                <adec:decorative xmlns:adec="http://schemas.microsoft.com/office/drawing/2017/decorative" val="1"/>
+              </a:ext>
+            </a:extLst>
+          </p:cNvPr>
+          <p:cNvSpPr>
+            <a:spLocks noGrp="1" noRot="1" noChangeAspect="1" noMove="1" noResize="1" noEditPoints="1" noAdjustHandles="1" noChangeArrowheads="1" noChangeShapeType="1" noTextEdit="1"/>
+          </p:cNvSpPr>
+          <p:nvPr>
+            <p:extLst>
+              <p:ext uri="{386F3935-93C4-4BCD-93E2-E3B085C9AB24}">
+                <p16:designElem xmlns:p16="http://schemas.microsoft.com/office/powerpoint/2015/main" val="1"/>
+              </p:ext>
+            </p:extLst>
+          </p:nvPr>
+        </p:nvSpPr>
+        <p:spPr>
+          <a:xfrm rot="21427715">
+            <a:off x="8958979" y="368138"/>
+            <a:ext cx="2987899" cy="2987899"/>
+          </a:xfrm>
+          <a:prstGeom prst="arc">
+            <a:avLst>
+              <a:gd name="adj1" fmla="val 16200000"/>
+              <a:gd name="adj2" fmla="val 2287352"/>
+            </a:avLst>
+          </a:prstGeom>
+          <a:ln w="127000" cap="rnd">
+            <a:solidFill>
+              <a:schemeClr val="accent4"/>
+            </a:solidFill>
+            <a:prstDash val="dash"/>
+            <a:miter lim="800000"/>
+          </a:ln>
+        </p:spPr>
+        <p:style>
+          <a:lnRef idx="1">
+            <a:schemeClr val="accent1"/>
+          </a:lnRef>
+          <a:fillRef idx="0">
+            <a:schemeClr val="accent1"/>
+          </a:fillRef>
+          <a:effectRef idx="0">
+            <a:schemeClr val="accent1"/>
+          </a:effectRef>
+          <a:fontRef idx="minor">
+            <a:schemeClr val="tx1"/>
+          </a:fontRef>
+        </p:style>
+        <p:txBody>
+          <a:bodyPr rtlCol="0" anchor="ctr"/>
+          <a:lstStyle/>
+          <a:p>
+            <a:pPr marL="0" marR="0" lvl="0" indent="0" algn="ctr" defTabSz="914400" rtl="0" eaLnBrk="1" fontAlgn="auto" latinLnBrk="0" hangingPunct="1">
+              <a:lnSpc>
+                <a:spcPct val="100000"/>
+              </a:lnSpc>
+              <a:spcBef>
+                <a:spcPts val="0"/>
+              </a:spcBef>
+              <a:spcAft>
+                <a:spcPts val="0"/>
+              </a:spcAft>
+              <a:buClrTx/>
+              <a:buSzTx/>
+              <a:buFontTx/>
+              <a:buNone/>
+              <a:tabLst/>
+              <a:defRPr/>
+            </a:pPr>
+            <a:endParaRPr kumimoji="0" lang="en-US" sz="1800" b="0" i="0" u="none" strike="noStrike" kern="1200" cap="none" spc="0" normalizeH="0" baseline="0" noProof="0">
+              <a:ln>
+                <a:noFill/>
+              </a:ln>
+              <a:solidFill>
+                <a:srgbClr val="000000"/>
+              </a:solidFill>
+              <a:effectLst/>
+              <a:uLnTx/>
+              <a:uFillTx/>
+              <a:latin typeface="Calibri" panose="020F0502020204030204"/>
+              <a:ea typeface="+mn-ea"/>
+              <a:cs typeface="+mn-cs"/>
+            </a:endParaRPr>
+          </a:p>
+        </p:txBody>
+      </p:sp>
+      <p:sp>
+        <p:nvSpPr>
+          <p:cNvPr id="12" name="Oval 11">
+            <a:extLst>
+              <a:ext uri="{FF2B5EF4-FFF2-40B4-BE49-F238E27FC236}">
+                <a16:creationId xmlns:a16="http://schemas.microsoft.com/office/drawing/2014/main" id="{E77AE46B-A945-4A7E-9911-903176079DD0}"/>
+              </a:ext>
+              <a:ext uri="{C183D7F6-B498-43B3-948B-1728B52AA6E4}">
+                <adec:decorative xmlns:adec="http://schemas.microsoft.com/office/drawing/2017/decorative" val="1"/>
+              </a:ext>
+            </a:extLst>
+          </p:cNvPr>
+          <p:cNvSpPr>
+            <a:spLocks noGrp="1" noRot="1" noChangeAspect="1" noMove="1" noResize="1" noEditPoints="1" noAdjustHandles="1" noChangeArrowheads="1" noChangeShapeType="1" noTextEdit="1"/>
+          </p:cNvSpPr>
+          <p:nvPr>
+            <p:extLst>
+              <p:ext uri="{386F3935-93C4-4BCD-93E2-E3B085C9AB24}">
+                <p16:designElem xmlns:p16="http://schemas.microsoft.com/office/powerpoint/2015/main" val="1"/>
+              </p:ext>
+            </p:extLst>
+          </p:nvPr>
+        </p:nvSpPr>
+        <p:spPr>
+          <a:xfrm>
+            <a:off x="68969" y="5694291"/>
+            <a:ext cx="546100" cy="546100"/>
+          </a:xfrm>
+          <a:prstGeom prst="ellipse">
+            <a:avLst/>
+          </a:prstGeom>
+          <a:solidFill>
+            <a:schemeClr val="accent5"/>
+          </a:solidFill>
+          <a:ln>
+            <a:noFill/>
+          </a:ln>
+        </p:spPr>
+        <p:style>
+          <a:lnRef idx="2">
+            <a:schemeClr val="accent1">
+              <a:shade val="50000"/>
+            </a:schemeClr>
+          </a:lnRef>
+          <a:fillRef idx="1">
+            <a:schemeClr val="accent1"/>
+          </a:fillRef>
+          <a:effectRef idx="0">
+            <a:schemeClr val="accent1"/>
+          </a:effectRef>
+          <a:fontRef idx="minor">
+            <a:schemeClr val="lt1"/>
+          </a:fontRef>
+        </p:style>
+        <p:txBody>
+          <a:bodyPr rtlCol="0" anchor="ctr"/>
+          <a:lstStyle/>
+          <a:p>
+            <a:pPr marL="0" marR="0" lvl="0" indent="0" algn="ctr" defTabSz="914400" rtl="0" eaLnBrk="1" fontAlgn="auto" latinLnBrk="0" hangingPunct="1">
+              <a:lnSpc>
+                <a:spcPct val="100000"/>
+              </a:lnSpc>
+              <a:spcBef>
+                <a:spcPts val="0"/>
+              </a:spcBef>
+              <a:spcAft>
+                <a:spcPts val="0"/>
+              </a:spcAft>
+              <a:buClrTx/>
+              <a:buSzTx/>
+              <a:buFontTx/>
+              <a:buNone/>
+              <a:tabLst/>
+              <a:defRPr/>
+            </a:pPr>
+            <a:endParaRPr kumimoji="0" lang="en-US" sz="1800" b="0" i="0" u="none" strike="noStrike" kern="1200" cap="none" spc="0" normalizeH="0" baseline="0" noProof="0" dirty="0">
+              <a:ln>
+                <a:noFill/>
+              </a:ln>
+              <a:solidFill>
+                <a:srgbClr val="FFFFFF"/>
+              </a:solidFill>
+              <a:effectLst/>
+              <a:uLnTx/>
+              <a:uFillTx/>
+              <a:latin typeface="Calibri" panose="020F0502020204030204"/>
+              <a:ea typeface="+mn-ea"/>
+              <a:cs typeface="+mn-cs"/>
+            </a:endParaRPr>
+          </a:p>
+        </p:txBody>
+      </p:sp>
+    </p:spTree>
+    <p:extLst>
+      <p:ext uri="{BB962C8B-B14F-4D97-AF65-F5344CB8AC3E}">
+        <p14:creationId xmlns:p14="http://schemas.microsoft.com/office/powerpoint/2010/main" val="2854336579"/>
+      </p:ext>
+    </p:extLst>
+  </p:cSld>
+  <p:clrMapOvr>
+    <a:masterClrMapping/>
+  </p:clrMapOvr>
+  <mc:AlternateContent xmlns:mc="http://schemas.openxmlformats.org/markup-compatibility/2006" xmlns:p14="http://schemas.microsoft.com/office/powerpoint/2010/main">
+    <mc:Choice Requires="p14">
+      <p:transition spd="med" p14:dur="700">
+        <p:fade/>
+      </p:transition>
+    </mc:Choice>
+    <mc:Fallback xmlns="">
+      <p:transition spd="med">
+        <p:fade/>
+      </p:transition>
+    </mc:Fallback>
+  </mc:AlternateContent>
+</p:sld>
+</file>
+
+<file path=ppt/slides/slide19.xml><?xml version="1.0" encoding="utf-8"?>
+<p:sld xmlns:a="http://schemas.openxmlformats.org/drawingml/2006/main" xmlns:r="http://schemas.openxmlformats.org/officeDocument/2006/relationships" xmlns:p="http://schemas.openxmlformats.org/presentationml/2006/main">
+  <p:cSld>
+    <p:bg>
+      <p:bgPr>
+        <a:solidFill>
           <a:schemeClr val="tx1"/>
         </a:solidFill>
         <a:effectLst/>
